--- a/courses/sysprog/slides/lec07-struct.pptx
+++ b/courses/sysprog/slides/lec07-struct.pptx
@@ -5249,7 +5249,25 @@
                 </a:solidFill>
                 <a:latin typeface="Courier New" panose="02070309020205020404" pitchFamily="49" charset="0"/>
               </a:rPr>
-              <a:t>struct point2d create(int ax, int ay){</a:t>
+              <a:t>struct point2d </a:t>
+            </a:r>
+            <a:r>
+              <a:rPr lang="en-US" altLang="zh-CN" sz="2000" b="1" dirty="0" err="1">
+                <a:solidFill>
+                  <a:schemeClr val="folHlink"/>
+                </a:solidFill>
+                <a:latin typeface="Courier New" panose="02070309020205020404" pitchFamily="49" charset="0"/>
+              </a:rPr>
+              <a:t>pt_create</a:t>
+            </a:r>
+            <a:r>
+              <a:rPr lang="en-US" altLang="zh-CN" sz="2000" b="1" dirty="0">
+                <a:solidFill>
+                  <a:schemeClr val="folHlink"/>
+                </a:solidFill>
+                <a:latin typeface="Courier New" panose="02070309020205020404" pitchFamily="49" charset="0"/>
+              </a:rPr>
+              <a:t>(int ax, int ay){</a:t>
             </a:r>
           </a:p>
           <a:p>
@@ -5474,7 +5492,25 @@
                 </a:solidFill>
                 <a:latin typeface="Courier New" panose="02070309020205020404" pitchFamily="49" charset="0"/>
               </a:rPr>
-              <a:t>struct point2d p = create (3, 4);</a:t>
+              <a:t>struct point2d p = </a:t>
+            </a:r>
+            <a:r>
+              <a:rPr lang="en-US" altLang="zh-CN" sz="2000" b="1" dirty="0" err="1">
+                <a:solidFill>
+                  <a:schemeClr val="folHlink"/>
+                </a:solidFill>
+                <a:latin typeface="Courier New" panose="02070309020205020404" pitchFamily="49" charset="0"/>
+              </a:rPr>
+              <a:t>pt_create</a:t>
+            </a:r>
+            <a:r>
+              <a:rPr lang="en-US" altLang="zh-CN" sz="2000" b="1" dirty="0">
+                <a:solidFill>
+                  <a:schemeClr val="folHlink"/>
+                </a:solidFill>
+                <a:latin typeface="Courier New" panose="02070309020205020404" pitchFamily="49" charset="0"/>
+              </a:rPr>
+              <a:t>(3, 4);</a:t>
             </a:r>
           </a:p>
         </p:txBody>
@@ -32984,7 +33020,25 @@
                 </a:solidFill>
                 <a:latin typeface="Courier New" panose="02070309020205020404" pitchFamily="49" charset="0"/>
               </a:rPr>
-              <a:t>struct point2d create(int ax, int ay){</a:t>
+              <a:t>struct point2d </a:t>
+            </a:r>
+            <a:r>
+              <a:rPr lang="en-US" altLang="zh-CN" sz="2000" b="1" dirty="0" err="1">
+                <a:solidFill>
+                  <a:schemeClr val="folHlink"/>
+                </a:solidFill>
+                <a:latin typeface="Courier New" panose="02070309020205020404" pitchFamily="49" charset="0"/>
+              </a:rPr>
+              <a:t>pt_create</a:t>
+            </a:r>
+            <a:r>
+              <a:rPr lang="en-US" altLang="zh-CN" sz="2000" b="1" dirty="0">
+                <a:solidFill>
+                  <a:schemeClr val="folHlink"/>
+                </a:solidFill>
+                <a:latin typeface="Courier New" panose="02070309020205020404" pitchFamily="49" charset="0"/>
+              </a:rPr>
+              <a:t>(int ax, int ay){</a:t>
             </a:r>
           </a:p>
           <a:p>
@@ -33212,13 +33266,22 @@
               <a:t>struct point2d p = </a:t>
             </a:r>
             <a:r>
-              <a:rPr lang="en-US" altLang="zh-CN" sz="2000" b="1" dirty="0">
+              <a:rPr lang="en-US" altLang="zh-CN" sz="2000" b="1" dirty="0" err="1">
                 <a:solidFill>
                   <a:schemeClr val="hlink"/>
                 </a:solidFill>
                 <a:latin typeface="Courier New" panose="02070309020205020404" pitchFamily="49" charset="0"/>
               </a:rPr>
-              <a:t>create (3, 4);</a:t>
+              <a:t>pt_create</a:t>
+            </a:r>
+            <a:r>
+              <a:rPr lang="en-US" altLang="zh-CN" sz="2000" b="1" dirty="0">
+                <a:solidFill>
+                  <a:schemeClr val="hlink"/>
+                </a:solidFill>
+                <a:latin typeface="Courier New" panose="02070309020205020404" pitchFamily="49" charset="0"/>
+              </a:rPr>
+              <a:t>(3, 4);</a:t>
             </a:r>
           </a:p>
         </p:txBody>
@@ -34034,7 +34097,25 @@
                 </a:solidFill>
                 <a:latin typeface="Courier New" panose="02070309020205020404" pitchFamily="49" charset="0"/>
               </a:rPr>
-              <a:t>struct point2d create(int ax, int ay){</a:t>
+              <a:t>struct point2d </a:t>
+            </a:r>
+            <a:r>
+              <a:rPr lang="en-US" altLang="zh-CN" sz="2000" b="1" dirty="0" err="1">
+                <a:solidFill>
+                  <a:schemeClr val="folHlink"/>
+                </a:solidFill>
+                <a:latin typeface="Courier New" panose="02070309020205020404" pitchFamily="49" charset="0"/>
+              </a:rPr>
+              <a:t>pt_reate</a:t>
+            </a:r>
+            <a:r>
+              <a:rPr lang="en-US" altLang="zh-CN" sz="2000" b="1" dirty="0">
+                <a:solidFill>
+                  <a:schemeClr val="folHlink"/>
+                </a:solidFill>
+                <a:latin typeface="Courier New" panose="02070309020205020404" pitchFamily="49" charset="0"/>
+              </a:rPr>
+              <a:t>(int ax, int ay){</a:t>
             </a:r>
           </a:p>
           <a:p>
@@ -34268,7 +34349,25 @@
                 </a:solidFill>
                 <a:latin typeface="Courier New" panose="02070309020205020404" pitchFamily="49" charset="0"/>
               </a:rPr>
-              <a:t>struct point2d p = create (3, 4);</a:t>
+              <a:t>struct point2d p = </a:t>
+            </a:r>
+            <a:r>
+              <a:rPr lang="en-US" altLang="zh-CN" sz="2000" b="1" dirty="0" err="1">
+                <a:solidFill>
+                  <a:schemeClr val="folHlink"/>
+                </a:solidFill>
+                <a:latin typeface="Courier New" panose="02070309020205020404" pitchFamily="49" charset="0"/>
+              </a:rPr>
+              <a:t>pt_create</a:t>
+            </a:r>
+            <a:r>
+              <a:rPr lang="en-US" altLang="zh-CN" sz="2000" b="1" dirty="0">
+                <a:solidFill>
+                  <a:schemeClr val="folHlink"/>
+                </a:solidFill>
+                <a:latin typeface="Courier New" panose="02070309020205020404" pitchFamily="49" charset="0"/>
+              </a:rPr>
+              <a:t>(3, 4);</a:t>
             </a:r>
           </a:p>
         </p:txBody>

--- a/courses/sysprog/slides/lec07-struct.pptx
+++ b/courses/sysprog/slides/lec07-struct.pptx
@@ -23950,7 +23950,7 @@
                 </a:solidFill>
                 <a:latin typeface="Courier New" panose="02070309020205020404" pitchFamily="49" charset="0"/>
               </a:rPr>
-              <a:t>	for (</a:t>
+              <a:t>	for(</a:t>
             </a:r>
             <a:r>
               <a:rPr lang="en-US" altLang="zh-CN" sz="2000" b="1" dirty="0" err="1">
@@ -25208,7 +25208,7 @@
                 </a:solidFill>
                 <a:latin typeface="Courier New" panose="02070309020205020404" pitchFamily="49" charset="0"/>
               </a:rPr>
-              <a:t>	for (</a:t>
+              <a:t>	for(</a:t>
             </a:r>
             <a:r>
               <a:rPr lang="en-US" altLang="zh-CN" sz="2000" b="1" dirty="0" err="1">
@@ -26685,7 +26685,7 @@
                 </a:solidFill>
                 <a:latin typeface="Courier New" panose="02070309020205020404" pitchFamily="49" charset="0"/>
               </a:rPr>
-              <a:t>	for (</a:t>
+              <a:t>	for(</a:t>
             </a:r>
             <a:r>
               <a:rPr lang="en-US" altLang="zh-CN" sz="2000" b="1" dirty="0" err="1">
@@ -28213,13 +28213,13 @@
               <a:buNone/>
             </a:pPr>
             <a:r>
-              <a:rPr lang="en-US" altLang="zh-CN" sz="2000" b="1" dirty="0">
+              <a:rPr lang="en-US" altLang="zh-CN" sz="2000" b="1">
                 <a:solidFill>
                   <a:schemeClr val="hlink"/>
                 </a:solidFill>
                 <a:latin typeface="Courier New" panose="02070309020205020404" pitchFamily="49" charset="0"/>
               </a:rPr>
-              <a:t>	for (</a:t>
+              <a:t>	for(</a:t>
             </a:r>
             <a:r>
               <a:rPr lang="en-US" altLang="zh-CN" sz="2000" b="1" dirty="0" err="1">

--- a/courses/sysprog/slides/lec07-struct.pptx
+++ b/courses/sysprog/slides/lec07-struct.pptx
@@ -6183,7 +6183,25 @@
                 </a:solidFill>
                 <a:latin typeface="Courier New" panose="02070309020205020404" pitchFamily="49" charset="0"/>
               </a:rPr>
-              <a:t>struct point2d create(int ax, int ay){</a:t>
+              <a:t>struct point2d </a:t>
+            </a:r>
+            <a:r>
+              <a:rPr lang="en-US" altLang="zh-CN" sz="2000" b="1" dirty="0" err="1">
+                <a:solidFill>
+                  <a:schemeClr val="folHlink"/>
+                </a:solidFill>
+                <a:latin typeface="Courier New" panose="02070309020205020404" pitchFamily="49" charset="0"/>
+              </a:rPr>
+              <a:t>pt_create</a:t>
+            </a:r>
+            <a:r>
+              <a:rPr lang="en-US" altLang="zh-CN" sz="2000" b="1" dirty="0">
+                <a:solidFill>
+                  <a:schemeClr val="folHlink"/>
+                </a:solidFill>
+                <a:latin typeface="Courier New" panose="02070309020205020404" pitchFamily="49" charset="0"/>
+              </a:rPr>
+              <a:t>(int ax, int ay){</a:t>
             </a:r>
           </a:p>
           <a:p>
@@ -6408,7 +6426,25 @@
                 </a:solidFill>
                 <a:latin typeface="Courier New" panose="02070309020205020404" pitchFamily="49" charset="0"/>
               </a:rPr>
-              <a:t>struct point2d p = create (3, 4);</a:t>
+              <a:t>struct point2d p = </a:t>
+            </a:r>
+            <a:r>
+              <a:rPr lang="en-US" altLang="zh-CN" sz="2000" b="1" dirty="0" err="1">
+                <a:solidFill>
+                  <a:schemeClr val="folHlink"/>
+                </a:solidFill>
+                <a:latin typeface="Courier New" panose="02070309020205020404" pitchFamily="49" charset="0"/>
+              </a:rPr>
+              <a:t>pt_create</a:t>
+            </a:r>
+            <a:r>
+              <a:rPr lang="en-US" altLang="zh-CN" sz="2000" b="1" dirty="0">
+                <a:solidFill>
+                  <a:schemeClr val="folHlink"/>
+                </a:solidFill>
+                <a:latin typeface="Courier New" panose="02070309020205020404" pitchFamily="49" charset="0"/>
+              </a:rPr>
+              <a:t>(3, 4);</a:t>
             </a:r>
           </a:p>
         </p:txBody>
@@ -7081,7 +7117,25 @@
                 </a:solidFill>
                 <a:latin typeface="Courier New" panose="02070309020205020404" pitchFamily="49" charset="0"/>
               </a:rPr>
-              <a:t>struct point2d create(int ax, int ay){</a:t>
+              <a:t>struct point2d </a:t>
+            </a:r>
+            <a:r>
+              <a:rPr lang="en-US" altLang="zh-CN" sz="2000" b="1" dirty="0" err="1">
+                <a:solidFill>
+                  <a:schemeClr val="folHlink"/>
+                </a:solidFill>
+                <a:latin typeface="Courier New" panose="02070309020205020404" pitchFamily="49" charset="0"/>
+              </a:rPr>
+              <a:t>pt_create</a:t>
+            </a:r>
+            <a:r>
+              <a:rPr lang="en-US" altLang="zh-CN" sz="2000" b="1" dirty="0">
+                <a:solidFill>
+                  <a:schemeClr val="folHlink"/>
+                </a:solidFill>
+                <a:latin typeface="Courier New" panose="02070309020205020404" pitchFamily="49" charset="0"/>
+              </a:rPr>
+              <a:t>(int ax, int ay){</a:t>
             </a:r>
           </a:p>
           <a:p>
@@ -7315,7 +7369,25 @@
                 </a:solidFill>
                 <a:latin typeface="Courier New" panose="02070309020205020404" pitchFamily="49" charset="0"/>
               </a:rPr>
-              <a:t>struct point2d p = create (3, 4);</a:t>
+              <a:t>struct point2d p = </a:t>
+            </a:r>
+            <a:r>
+              <a:rPr lang="en-US" altLang="zh-CN" sz="2000" b="1" dirty="0" err="1">
+                <a:solidFill>
+                  <a:schemeClr val="folHlink"/>
+                </a:solidFill>
+                <a:latin typeface="Courier New" panose="02070309020205020404" pitchFamily="49" charset="0"/>
+              </a:rPr>
+              <a:t>pt_create</a:t>
+            </a:r>
+            <a:r>
+              <a:rPr lang="en-US" altLang="zh-CN" sz="2000" b="1" dirty="0">
+                <a:solidFill>
+                  <a:schemeClr val="folHlink"/>
+                </a:solidFill>
+                <a:latin typeface="Courier New" panose="02070309020205020404" pitchFamily="49" charset="0"/>
+              </a:rPr>
+              <a:t> (3, 4);</a:t>
             </a:r>
           </a:p>
         </p:txBody>
@@ -7988,7 +8060,25 @@
                 </a:solidFill>
                 <a:latin typeface="Courier New" panose="02070309020205020404" pitchFamily="49" charset="0"/>
               </a:rPr>
-              <a:t>struct point2d create(int ax, int ay){</a:t>
+              <a:t>struct point2d </a:t>
+            </a:r>
+            <a:r>
+              <a:rPr lang="en-US" altLang="zh-CN" sz="2000" b="1" dirty="0" err="1">
+                <a:solidFill>
+                  <a:schemeClr val="folHlink"/>
+                </a:solidFill>
+                <a:latin typeface="Courier New" panose="02070309020205020404" pitchFamily="49" charset="0"/>
+              </a:rPr>
+              <a:t>pt_create</a:t>
+            </a:r>
+            <a:r>
+              <a:rPr lang="en-US" altLang="zh-CN" sz="2000" b="1" dirty="0">
+                <a:solidFill>
+                  <a:schemeClr val="folHlink"/>
+                </a:solidFill>
+                <a:latin typeface="Courier New" panose="02070309020205020404" pitchFamily="49" charset="0"/>
+              </a:rPr>
+              <a:t>(int ax, int ay){</a:t>
             </a:r>
           </a:p>
           <a:p>
@@ -8222,7 +8312,7 @@
                 </a:solidFill>
                 <a:latin typeface="Courier New" panose="02070309020205020404" pitchFamily="49" charset="0"/>
               </a:rPr>
-              <a:t>struct point2d p = create (3, 4);</a:t>
+              <a:t>struct point2d p = pt_ create(3, 4);</a:t>
             </a:r>
           </a:p>
         </p:txBody>
@@ -9249,7 +9339,25 @@
                 </a:solidFill>
                 <a:latin typeface="Courier New" panose="02070309020205020404" pitchFamily="49" charset="0"/>
               </a:rPr>
-              <a:t>struct point2d create(int ax, int ay){</a:t>
+              <a:t>struct point2d </a:t>
+            </a:r>
+            <a:r>
+              <a:rPr lang="en-US" altLang="zh-CN" sz="2000" b="1" dirty="0" err="1">
+                <a:solidFill>
+                  <a:schemeClr val="folHlink"/>
+                </a:solidFill>
+                <a:latin typeface="Courier New" panose="02070309020205020404" pitchFamily="49" charset="0"/>
+              </a:rPr>
+              <a:t>pt_create</a:t>
+            </a:r>
+            <a:r>
+              <a:rPr lang="en-US" altLang="zh-CN" sz="2000" b="1" dirty="0">
+                <a:solidFill>
+                  <a:schemeClr val="folHlink"/>
+                </a:solidFill>
+                <a:latin typeface="Courier New" panose="02070309020205020404" pitchFamily="49" charset="0"/>
+              </a:rPr>
+              <a:t>(int ax, int ay){</a:t>
             </a:r>
           </a:p>
           <a:p>
@@ -9474,16 +9582,34 @@
                 </a:solidFill>
                 <a:latin typeface="Courier New" panose="02070309020205020404" pitchFamily="49" charset="0"/>
               </a:rPr>
-              <a:t>struct point2d p =</a:t>
-            </a:r>
-            <a:r>
-              <a:rPr lang="en-US" altLang="zh-CN" sz="2000" b="1" dirty="0">
-                <a:solidFill>
-                  <a:schemeClr val="folHlink"/>
-                </a:solidFill>
-                <a:latin typeface="Courier New" panose="02070309020205020404" pitchFamily="49" charset="0"/>
-              </a:rPr>
-              <a:t> create (3, 4);</a:t>
+              <a:t>struct point2d p </a:t>
+            </a:r>
+            <a:r>
+              <a:rPr lang="en-US" altLang="zh-CN" sz="2000" b="1">
+                <a:solidFill>
+                  <a:schemeClr val="hlink"/>
+                </a:solidFill>
+                <a:latin typeface="Courier New" panose="02070309020205020404" pitchFamily="49" charset="0"/>
+              </a:rPr>
+              <a:t>=</a:t>
+            </a:r>
+            <a:r>
+              <a:rPr lang="en-US" altLang="zh-CN" sz="2000" b="1">
+                <a:solidFill>
+                  <a:schemeClr val="folHlink"/>
+                </a:solidFill>
+                <a:latin typeface="Courier New" panose="02070309020205020404" pitchFamily="49" charset="0"/>
+              </a:rPr>
+              <a:t> pt_ create(</a:t>
+            </a:r>
+            <a:r>
+              <a:rPr lang="en-US" altLang="zh-CN" sz="2000" b="1" dirty="0">
+                <a:solidFill>
+                  <a:schemeClr val="folHlink"/>
+                </a:solidFill>
+                <a:latin typeface="Courier New" panose="02070309020205020404" pitchFamily="49" charset="0"/>
+              </a:rPr>
+              <a:t>3, 4);</a:t>
             </a:r>
           </a:p>
         </p:txBody>
@@ -14145,7 +14271,7 @@
                 </a:solidFill>
                 <a:latin typeface="Courier New" panose="02070309020205020404" pitchFamily="49" charset="0"/>
               </a:rPr>
-              <a:t> (“%d\n”, </a:t>
+              <a:t>(“%d\n”, </a:t>
             </a:r>
             <a:r>
               <a:rPr lang="en-US" altLang="zh-CN" sz="2000" b="1" dirty="0" err="1">
@@ -14223,7 +14349,7 @@
                 </a:solidFill>
                 <a:latin typeface="Courier New" panose="02070309020205020404" pitchFamily="49" charset="0"/>
               </a:rPr>
-              <a:t> (“%d, %d\n”, </a:t>
+              <a:t>(“%d, %d\n”, </a:t>
             </a:r>
             <a:r>
               <a:rPr lang="en-US" altLang="zh-CN" sz="2000" b="1" dirty="0" err="1">
@@ -34106,7 +34232,7 @@
                 </a:solidFill>
                 <a:latin typeface="Courier New" panose="02070309020205020404" pitchFamily="49" charset="0"/>
               </a:rPr>
-              <a:t>pt_reate</a:t>
+              <a:t>pt_create</a:t>
             </a:r>
             <a:r>
               <a:rPr lang="en-US" altLang="zh-CN" sz="2000" b="1" dirty="0">
